--- a/Fig. 9.pptx
+++ b/Fig. 9.pptx
@@ -5,11 +5,12 @@
     <p:sldMasterId id="2147483648" r:id="rId1"/>
   </p:sldMasterIdLst>
   <p:notesMasterIdLst>
-    <p:notesMasterId r:id="rId4"/>
+    <p:notesMasterId r:id="rId5"/>
   </p:notesMasterIdLst>
   <p:sldIdLst>
     <p:sldId id="256" r:id="rId2"/>
     <p:sldId id="257" r:id="rId3"/>
+    <p:sldId id="258" r:id="rId4"/>
   </p:sldIdLst>
   <p:sldSz cx="9144000" cy="6858000" type="screen4x3"/>
   <p:notesSz cx="6858000" cy="9144000"/>
@@ -193,7 +194,7 @@
           <a:p>
             <a:fld id="{1A431D54-BC1D-4459-B618-BCA2C00625B7}" type="datetimeFigureOut">
               <a:rPr lang="de-DE" smtClean="0"/>
-              <a:t>19.08.2015</a:t>
+              <a:t>20.08.2015</a:t>
             </a:fld>
             <a:endParaRPr lang="de-DE"/>
           </a:p>
@@ -810,7 +811,7 @@
           <a:p>
             <a:fld id="{C57C6750-F1AF-4D1A-9540-3B512D666881}" type="datetimeFigureOut">
               <a:rPr lang="de-DE" smtClean="0"/>
-              <a:t>19.08.2015</a:t>
+              <a:t>20.08.2015</a:t>
             </a:fld>
             <a:endParaRPr lang="de-DE"/>
           </a:p>
@@ -980,7 +981,7 @@
           <a:p>
             <a:fld id="{C57C6750-F1AF-4D1A-9540-3B512D666881}" type="datetimeFigureOut">
               <a:rPr lang="de-DE" smtClean="0"/>
-              <a:t>19.08.2015</a:t>
+              <a:t>20.08.2015</a:t>
             </a:fld>
             <a:endParaRPr lang="de-DE"/>
           </a:p>
@@ -1160,7 +1161,7 @@
           <a:p>
             <a:fld id="{C57C6750-F1AF-4D1A-9540-3B512D666881}" type="datetimeFigureOut">
               <a:rPr lang="de-DE" smtClean="0"/>
-              <a:t>19.08.2015</a:t>
+              <a:t>20.08.2015</a:t>
             </a:fld>
             <a:endParaRPr lang="de-DE"/>
           </a:p>
@@ -1330,7 +1331,7 @@
           <a:p>
             <a:fld id="{C57C6750-F1AF-4D1A-9540-3B512D666881}" type="datetimeFigureOut">
               <a:rPr lang="de-DE" smtClean="0"/>
-              <a:t>19.08.2015</a:t>
+              <a:t>20.08.2015</a:t>
             </a:fld>
             <a:endParaRPr lang="de-DE"/>
           </a:p>
@@ -1576,7 +1577,7 @@
           <a:p>
             <a:fld id="{C57C6750-F1AF-4D1A-9540-3B512D666881}" type="datetimeFigureOut">
               <a:rPr lang="de-DE" smtClean="0"/>
-              <a:t>19.08.2015</a:t>
+              <a:t>20.08.2015</a:t>
             </a:fld>
             <a:endParaRPr lang="de-DE"/>
           </a:p>
@@ -1864,7 +1865,7 @@
           <a:p>
             <a:fld id="{C57C6750-F1AF-4D1A-9540-3B512D666881}" type="datetimeFigureOut">
               <a:rPr lang="de-DE" smtClean="0"/>
-              <a:t>19.08.2015</a:t>
+              <a:t>20.08.2015</a:t>
             </a:fld>
             <a:endParaRPr lang="de-DE"/>
           </a:p>
@@ -2286,7 +2287,7 @@
           <a:p>
             <a:fld id="{C57C6750-F1AF-4D1A-9540-3B512D666881}" type="datetimeFigureOut">
               <a:rPr lang="de-DE" smtClean="0"/>
-              <a:t>19.08.2015</a:t>
+              <a:t>20.08.2015</a:t>
             </a:fld>
             <a:endParaRPr lang="de-DE"/>
           </a:p>
@@ -2404,7 +2405,7 @@
           <a:p>
             <a:fld id="{C57C6750-F1AF-4D1A-9540-3B512D666881}" type="datetimeFigureOut">
               <a:rPr lang="de-DE" smtClean="0"/>
-              <a:t>19.08.2015</a:t>
+              <a:t>20.08.2015</a:t>
             </a:fld>
             <a:endParaRPr lang="de-DE"/>
           </a:p>
@@ -2499,7 +2500,7 @@
           <a:p>
             <a:fld id="{C57C6750-F1AF-4D1A-9540-3B512D666881}" type="datetimeFigureOut">
               <a:rPr lang="de-DE" smtClean="0"/>
-              <a:t>19.08.2015</a:t>
+              <a:t>20.08.2015</a:t>
             </a:fld>
             <a:endParaRPr lang="de-DE"/>
           </a:p>
@@ -2776,7 +2777,7 @@
           <a:p>
             <a:fld id="{C57C6750-F1AF-4D1A-9540-3B512D666881}" type="datetimeFigureOut">
               <a:rPr lang="de-DE" smtClean="0"/>
-              <a:t>19.08.2015</a:t>
+              <a:t>20.08.2015</a:t>
             </a:fld>
             <a:endParaRPr lang="de-DE"/>
           </a:p>
@@ -3029,7 +3030,7 @@
           <a:p>
             <a:fld id="{C57C6750-F1AF-4D1A-9540-3B512D666881}" type="datetimeFigureOut">
               <a:rPr lang="de-DE" smtClean="0"/>
-              <a:t>19.08.2015</a:t>
+              <a:t>20.08.2015</a:t>
             </a:fld>
             <a:endParaRPr lang="de-DE"/>
           </a:p>
@@ -3242,7 +3243,7 @@
           <a:p>
             <a:fld id="{C57C6750-F1AF-4D1A-9540-3B512D666881}" type="datetimeFigureOut">
               <a:rPr lang="de-DE" smtClean="0"/>
-              <a:t>19.08.2015</a:t>
+              <a:t>20.08.2015</a:t>
             </a:fld>
             <a:endParaRPr lang="de-DE"/>
           </a:p>
@@ -10901,7 +10902,7 @@
         </p:nvSpPr>
         <p:spPr>
           <a:xfrm>
-            <a:off x="-628342" y="1279162"/>
+            <a:off x="-628342" y="1184566"/>
             <a:ext cx="2088000" cy="4464000"/>
           </a:xfrm>
           <a:prstGeom prst="ellipse">
@@ -10982,7 +10983,7 @@
         </p:blipFill>
         <p:spPr>
           <a:xfrm>
-            <a:off x="-38018" y="3589671"/>
+            <a:off x="-38018" y="3495075"/>
             <a:ext cx="972208" cy="1116000"/>
           </a:xfrm>
           <a:prstGeom prst="rect">
@@ -10998,7 +10999,7 @@
         </p:nvSpPr>
         <p:spPr>
           <a:xfrm rot="9485408">
-            <a:off x="41721" y="4100280"/>
+            <a:off x="41721" y="4005684"/>
             <a:ext cx="828254" cy="158662"/>
           </a:xfrm>
           <a:custGeom>
@@ -11165,7 +11166,7 @@
         </p:nvGrpSpPr>
         <p:grpSpPr>
           <a:xfrm>
-            <a:off x="423935" y="3351581"/>
+            <a:off x="423935" y="3256985"/>
             <a:ext cx="54000" cy="253238"/>
             <a:chOff x="-1677029" y="-231860"/>
             <a:chExt cx="54000" cy="253238"/>
@@ -11263,7 +11264,7 @@
         </p:nvGrpSpPr>
         <p:grpSpPr>
           <a:xfrm rot="-7320000">
-            <a:off x="-157750" y="4359780"/>
+            <a:off x="-157750" y="4265184"/>
             <a:ext cx="54000" cy="253238"/>
             <a:chOff x="-1677029" y="-231860"/>
             <a:chExt cx="54000" cy="253238"/>
@@ -11361,7 +11362,7 @@
         </p:nvGrpSpPr>
         <p:grpSpPr>
           <a:xfrm rot="-420000">
-            <a:off x="927670" y="4425263"/>
+            <a:off x="927670" y="4330667"/>
             <a:ext cx="223419" cy="111559"/>
             <a:chOff x="-1173294" y="853697"/>
             <a:chExt cx="223419" cy="111559"/>
@@ -11459,7 +11460,7 @@
         </p:nvSpPr>
         <p:spPr>
           <a:xfrm>
-            <a:off x="61127" y="2951409"/>
+            <a:off x="61127" y="2856813"/>
             <a:ext cx="803832" cy="369332"/>
           </a:xfrm>
           <a:prstGeom prst="rect">
@@ -11502,7 +11503,7 @@
         </p:nvCxnSpPr>
         <p:spPr>
           <a:xfrm rot="3540000">
-            <a:off x="-227292" y="3354772"/>
+            <a:off x="-227292" y="3260176"/>
             <a:ext cx="144016" cy="0"/>
           </a:xfrm>
           <a:prstGeom prst="line">
@@ -11533,7 +11534,7 @@
         </p:nvCxnSpPr>
         <p:spPr>
           <a:xfrm rot="-3720000">
-            <a:off x="-370193" y="3624091"/>
+            <a:off x="-370193" y="3529495"/>
             <a:ext cx="144016" cy="0"/>
           </a:xfrm>
           <a:prstGeom prst="line">
@@ -11564,7 +11565,7 @@
         </p:nvCxnSpPr>
         <p:spPr>
           <a:xfrm rot="12000000">
-            <a:off x="735468" y="3488503"/>
+            <a:off x="735468" y="3393907"/>
             <a:ext cx="144016" cy="0"/>
           </a:xfrm>
           <a:prstGeom prst="line">
@@ -11595,7 +11596,7 @@
         </p:nvCxnSpPr>
         <p:spPr>
           <a:xfrm rot="-1140000">
-            <a:off x="1175781" y="4136575"/>
+            <a:off x="1175781" y="4041979"/>
             <a:ext cx="144016" cy="0"/>
           </a:xfrm>
           <a:prstGeom prst="line">
@@ -11626,7 +11627,7 @@
         </p:nvCxnSpPr>
         <p:spPr>
           <a:xfrm rot="16800000">
-            <a:off x="1031765" y="3848543"/>
+            <a:off x="1031765" y="3753947"/>
             <a:ext cx="144016" cy="0"/>
           </a:xfrm>
           <a:prstGeom prst="line">
@@ -11657,7 +11658,7 @@
         </p:nvCxnSpPr>
         <p:spPr>
           <a:xfrm rot="2160000">
-            <a:off x="671725" y="4712639"/>
+            <a:off x="671725" y="4618043"/>
             <a:ext cx="144016" cy="0"/>
           </a:xfrm>
           <a:prstGeom prst="line">
@@ -11688,7 +11689,7 @@
         </p:nvCxnSpPr>
         <p:spPr>
           <a:xfrm rot="4200000">
-            <a:off x="-48355" y="4712639"/>
+            <a:off x="-48355" y="4618043"/>
             <a:ext cx="144016" cy="0"/>
           </a:xfrm>
           <a:prstGeom prst="line">
@@ -11719,7 +11720,7 @@
         </p:nvCxnSpPr>
         <p:spPr>
           <a:xfrm>
-            <a:off x="-336387" y="4280591"/>
+            <a:off x="-336387" y="4185995"/>
             <a:ext cx="144016" cy="0"/>
           </a:xfrm>
           <a:prstGeom prst="line">
@@ -11750,7 +11751,7 @@
         </p:nvCxnSpPr>
         <p:spPr>
           <a:xfrm>
-            <a:off x="-192371" y="4064567"/>
+            <a:off x="-192371" y="3969971"/>
             <a:ext cx="144016" cy="0"/>
           </a:xfrm>
           <a:prstGeom prst="line">
@@ -11781,7 +11782,7 @@
         </p:nvCxnSpPr>
         <p:spPr>
           <a:xfrm rot="2280000">
-            <a:off x="-336387" y="3920551"/>
+            <a:off x="-336387" y="3825955"/>
             <a:ext cx="144016" cy="0"/>
           </a:xfrm>
           <a:prstGeom prst="line">
@@ -11812,7 +11813,7 @@
         </p:nvCxnSpPr>
         <p:spPr>
           <a:xfrm rot="1080000">
-            <a:off x="167669" y="3488503"/>
+            <a:off x="167669" y="3393907"/>
             <a:ext cx="144016" cy="0"/>
           </a:xfrm>
           <a:prstGeom prst="line">
@@ -11843,7 +11844,7 @@
         </p:nvCxnSpPr>
         <p:spPr>
           <a:xfrm rot="-600000">
-            <a:off x="320069" y="4784647"/>
+            <a:off x="320069" y="4690051"/>
             <a:ext cx="144016" cy="0"/>
           </a:xfrm>
           <a:prstGeom prst="line">
@@ -11917,7 +11918,7 @@
         </p:nvSpPr>
         <p:spPr>
           <a:xfrm rot="5400000">
-            <a:off x="-2398822" y="3210903"/>
+            <a:off x="-2398822" y="3116307"/>
             <a:ext cx="1872000" cy="684000"/>
           </a:xfrm>
           <a:prstGeom prst="stripedRightArrow">
@@ -11981,7 +11982,7 @@
         </p:nvSpPr>
         <p:spPr>
           <a:xfrm>
-            <a:off x="-1707517" y="3318638"/>
+            <a:off x="-1707517" y="3224042"/>
             <a:ext cx="608773" cy="369332"/>
           </a:xfrm>
           <a:prstGeom prst="rect">
@@ -12017,7 +12018,7 @@
         </p:nvSpPr>
         <p:spPr>
           <a:xfrm>
-            <a:off x="-1099193" y="2123564"/>
+            <a:off x="-1099193" y="2028968"/>
             <a:ext cx="583910" cy="369332"/>
           </a:xfrm>
           <a:prstGeom prst="rect">
@@ -12053,7 +12054,7 @@
         </p:nvSpPr>
         <p:spPr>
           <a:xfrm>
-            <a:off x="-1111957" y="4509120"/>
+            <a:off x="-1111957" y="4414524"/>
             <a:ext cx="609437" cy="369332"/>
           </a:xfrm>
           <a:prstGeom prst="rect">
@@ -12089,7 +12090,7 @@
         </p:nvSpPr>
         <p:spPr>
           <a:xfrm>
-            <a:off x="-1099193" y="3316342"/>
+            <a:off x="-1099193" y="3221746"/>
             <a:ext cx="709463" cy="369332"/>
           </a:xfrm>
           <a:prstGeom prst="rect">
@@ -12655,7 +12656,7 @@
         </p:nvSpPr>
         <p:spPr>
           <a:xfrm>
-            <a:off x="5057128" y="4982398"/>
+            <a:off x="5057128" y="4950866"/>
             <a:ext cx="1368152" cy="400110"/>
           </a:xfrm>
           <a:prstGeom prst="rect">
@@ -12691,7 +12692,7 @@
         </p:nvSpPr>
         <p:spPr>
           <a:xfrm>
-            <a:off x="2442130" y="5986735"/>
+            <a:off x="5057128" y="5864759"/>
             <a:ext cx="1368152" cy="400110"/>
           </a:xfrm>
           <a:prstGeom prst="rect">
@@ -12727,7 +12728,7 @@
         </p:nvGrpSpPr>
         <p:grpSpPr>
           <a:xfrm>
-            <a:off x="-177379" y="3429000"/>
+            <a:off x="-177379" y="3334404"/>
             <a:ext cx="413133" cy="323165"/>
             <a:chOff x="3631061" y="757592"/>
             <a:chExt cx="413133" cy="323165"/>
@@ -12836,7 +12837,7 @@
         </p:nvGrpSpPr>
         <p:grpSpPr>
           <a:xfrm>
-            <a:off x="902741" y="3068960"/>
+            <a:off x="902741" y="2974364"/>
             <a:ext cx="413133" cy="323165"/>
             <a:chOff x="3631061" y="757592"/>
             <a:chExt cx="413133" cy="323165"/>
@@ -12945,7 +12946,7 @@
         </p:nvGrpSpPr>
         <p:grpSpPr>
           <a:xfrm>
-            <a:off x="830733" y="4762019"/>
+            <a:off x="830733" y="4667423"/>
             <a:ext cx="413133" cy="323165"/>
             <a:chOff x="3631061" y="757592"/>
             <a:chExt cx="413133" cy="323165"/>
@@ -13054,7 +13055,7 @@
         </p:nvGrpSpPr>
         <p:grpSpPr>
           <a:xfrm>
-            <a:off x="-33363" y="4797152"/>
+            <a:off x="-33363" y="4702556"/>
             <a:ext cx="413133" cy="323165"/>
             <a:chOff x="3631061" y="757592"/>
             <a:chExt cx="413133" cy="323165"/>
@@ -13163,7 +13164,7 @@
         </p:nvGrpSpPr>
         <p:grpSpPr>
           <a:xfrm>
-            <a:off x="1134531" y="3736019"/>
+            <a:off x="1134531" y="3641423"/>
             <a:ext cx="413133" cy="323165"/>
             <a:chOff x="3631061" y="757592"/>
             <a:chExt cx="413133" cy="323165"/>
@@ -14574,7 +14575,7 @@
         </p:nvGrpSpPr>
         <p:grpSpPr>
           <a:xfrm>
-            <a:off x="1967574" y="1258326"/>
+            <a:off x="1999106" y="1242560"/>
             <a:ext cx="156154" cy="66676"/>
             <a:chOff x="10032470" y="4389254"/>
             <a:chExt cx="156154" cy="66676"/>
@@ -18286,6 +18287,2008 @@
           </p:txBody>
         </p:sp>
       </p:grpSp>
+      <p:sp>
+        <p:nvSpPr>
+          <p:cNvPr id="345" name="Textfeld 344"/>
+          <p:cNvSpPr txBox="1"/>
+          <p:nvPr/>
+        </p:nvSpPr>
+        <p:spPr>
+          <a:xfrm>
+            <a:off x="-213806" y="5556983"/>
+            <a:ext cx="2204584" cy="707886"/>
+          </a:xfrm>
+          <a:prstGeom prst="rect">
+            <a:avLst/>
+          </a:prstGeom>
+          <a:noFill/>
+        </p:spPr>
+        <p:txBody>
+          <a:bodyPr wrap="square" rtlCol="0">
+            <a:spAutoFit/>
+          </a:bodyPr>
+          <a:lstStyle/>
+          <a:p>
+            <a:r>
+              <a:rPr lang="de-CH" sz="2000" b="1" dirty="0" err="1" smtClean="0">
+                <a:latin typeface="Arial" panose="020B0604020202020204" pitchFamily="34" charset="0"/>
+                <a:cs typeface="Arial" panose="020B0604020202020204" pitchFamily="34" charset="0"/>
+              </a:rPr>
+              <a:t>Endosomal</a:t>
+            </a:r>
+            <a:r>
+              <a:rPr lang="de-CH" sz="2000" b="1" dirty="0" smtClean="0">
+                <a:latin typeface="Arial" panose="020B0604020202020204" pitchFamily="34" charset="0"/>
+                <a:cs typeface="Arial" panose="020B0604020202020204" pitchFamily="34" charset="0"/>
+              </a:rPr>
+              <a:t> </a:t>
+            </a:r>
+          </a:p>
+          <a:p>
+            <a:r>
+              <a:rPr lang="de-CH" sz="2000" b="1" dirty="0" err="1" smtClean="0">
+                <a:latin typeface="Arial" panose="020B0604020202020204" pitchFamily="34" charset="0"/>
+                <a:cs typeface="Arial" panose="020B0604020202020204" pitchFamily="34" charset="0"/>
+              </a:rPr>
+              <a:t>Pathway</a:t>
+            </a:r>
+            <a:endParaRPr lang="de-DE" sz="1600" b="1" dirty="0">
+              <a:latin typeface="Arial" panose="020B0604020202020204" pitchFamily="34" charset="0"/>
+              <a:cs typeface="Arial" panose="020B0604020202020204" pitchFamily="34" charset="0"/>
+            </a:endParaRPr>
+          </a:p>
+        </p:txBody>
+      </p:sp>
+      <p:grpSp>
+        <p:nvGrpSpPr>
+          <p:cNvPr id="381" name="Gruppieren 380"/>
+          <p:cNvGrpSpPr/>
+          <p:nvPr/>
+        </p:nvGrpSpPr>
+        <p:grpSpPr>
+          <a:xfrm>
+            <a:off x="5980628" y="4045540"/>
+            <a:ext cx="156154" cy="66676"/>
+            <a:chOff x="8100392" y="4236854"/>
+            <a:chExt cx="156154" cy="66676"/>
+          </a:xfrm>
+        </p:grpSpPr>
+        <p:sp>
+          <p:nvSpPr>
+            <p:cNvPr id="382" name="Ellipse 381"/>
+            <p:cNvSpPr/>
+            <p:nvPr/>
+          </p:nvSpPr>
+          <p:spPr>
+            <a:xfrm>
+              <a:off x="8220546" y="4267530"/>
+              <a:ext cx="36000" cy="36000"/>
+            </a:xfrm>
+            <a:prstGeom prst="ellipse">
+              <a:avLst/>
+            </a:prstGeom>
+            <a:solidFill>
+              <a:schemeClr val="tx1"/>
+            </a:solidFill>
+            <a:ln>
+              <a:solidFill>
+                <a:schemeClr val="tx1">
+                  <a:lumMod val="75000"/>
+                  <a:lumOff val="25000"/>
+                </a:schemeClr>
+              </a:solidFill>
+            </a:ln>
+          </p:spPr>
+          <p:style>
+            <a:lnRef idx="2">
+              <a:schemeClr val="accent1">
+                <a:shade val="50000"/>
+              </a:schemeClr>
+            </a:lnRef>
+            <a:fillRef idx="1">
+              <a:schemeClr val="accent1"/>
+            </a:fillRef>
+            <a:effectRef idx="0">
+              <a:schemeClr val="accent1"/>
+            </a:effectRef>
+            <a:fontRef idx="minor">
+              <a:schemeClr val="lt1"/>
+            </a:fontRef>
+          </p:style>
+          <p:txBody>
+            <a:bodyPr rtlCol="0" anchor="ctr"/>
+            <a:lstStyle/>
+            <a:p>
+              <a:pPr algn="ctr"/>
+              <a:endParaRPr lang="de-DE">
+                <a:ln>
+                  <a:solidFill>
+                    <a:schemeClr val="tx1"/>
+                  </a:solidFill>
+                </a:ln>
+                <a:solidFill>
+                  <a:schemeClr val="tx1"/>
+                </a:solidFill>
+              </a:endParaRPr>
+            </a:p>
+          </p:txBody>
+        </p:sp>
+        <p:sp>
+          <p:nvSpPr>
+            <p:cNvPr id="383" name="Ellipse 382"/>
+            <p:cNvSpPr/>
+            <p:nvPr/>
+          </p:nvSpPr>
+          <p:spPr>
+            <a:xfrm>
+              <a:off x="8156634" y="4236854"/>
+              <a:ext cx="36000" cy="36000"/>
+            </a:xfrm>
+            <a:prstGeom prst="ellipse">
+              <a:avLst/>
+            </a:prstGeom>
+            <a:solidFill>
+              <a:schemeClr val="tx1"/>
+            </a:solidFill>
+            <a:ln>
+              <a:solidFill>
+                <a:schemeClr val="tx1">
+                  <a:lumMod val="75000"/>
+                  <a:lumOff val="25000"/>
+                </a:schemeClr>
+              </a:solidFill>
+            </a:ln>
+          </p:spPr>
+          <p:style>
+            <a:lnRef idx="2">
+              <a:schemeClr val="accent1">
+                <a:shade val="50000"/>
+              </a:schemeClr>
+            </a:lnRef>
+            <a:fillRef idx="1">
+              <a:schemeClr val="accent1"/>
+            </a:fillRef>
+            <a:effectRef idx="0">
+              <a:schemeClr val="accent1"/>
+            </a:effectRef>
+            <a:fontRef idx="minor">
+              <a:schemeClr val="lt1"/>
+            </a:fontRef>
+          </p:style>
+          <p:txBody>
+            <a:bodyPr rtlCol="0" anchor="ctr"/>
+            <a:lstStyle/>
+            <a:p>
+              <a:pPr algn="ctr"/>
+              <a:endParaRPr lang="de-DE">
+                <a:ln>
+                  <a:solidFill>
+                    <a:schemeClr val="tx1"/>
+                  </a:solidFill>
+                </a:ln>
+                <a:solidFill>
+                  <a:schemeClr val="tx1"/>
+                </a:solidFill>
+              </a:endParaRPr>
+            </a:p>
+          </p:txBody>
+        </p:sp>
+        <p:sp>
+          <p:nvSpPr>
+            <p:cNvPr id="384" name="Ellipse 383"/>
+            <p:cNvSpPr/>
+            <p:nvPr/>
+          </p:nvSpPr>
+          <p:spPr>
+            <a:xfrm>
+              <a:off x="8100392" y="4252620"/>
+              <a:ext cx="36000" cy="36000"/>
+            </a:xfrm>
+            <a:prstGeom prst="ellipse">
+              <a:avLst/>
+            </a:prstGeom>
+            <a:solidFill>
+              <a:schemeClr val="tx1"/>
+            </a:solidFill>
+            <a:ln>
+              <a:solidFill>
+                <a:schemeClr val="tx1">
+                  <a:lumMod val="75000"/>
+                  <a:lumOff val="25000"/>
+                </a:schemeClr>
+              </a:solidFill>
+            </a:ln>
+          </p:spPr>
+          <p:style>
+            <a:lnRef idx="2">
+              <a:schemeClr val="accent1">
+                <a:shade val="50000"/>
+              </a:schemeClr>
+            </a:lnRef>
+            <a:fillRef idx="1">
+              <a:schemeClr val="accent1"/>
+            </a:fillRef>
+            <a:effectRef idx="0">
+              <a:schemeClr val="accent1"/>
+            </a:effectRef>
+            <a:fontRef idx="minor">
+              <a:schemeClr val="lt1"/>
+            </a:fontRef>
+          </p:style>
+          <p:txBody>
+            <a:bodyPr rtlCol="0" anchor="ctr"/>
+            <a:lstStyle/>
+            <a:p>
+              <a:pPr algn="ctr"/>
+              <a:endParaRPr lang="de-DE">
+                <a:ln>
+                  <a:solidFill>
+                    <a:schemeClr val="tx1"/>
+                  </a:solidFill>
+                </a:ln>
+                <a:solidFill>
+                  <a:schemeClr val="tx1"/>
+                </a:solidFill>
+              </a:endParaRPr>
+            </a:p>
+          </p:txBody>
+        </p:sp>
+      </p:grpSp>
+      <p:grpSp>
+        <p:nvGrpSpPr>
+          <p:cNvPr id="385" name="Gruppieren 384"/>
+          <p:cNvGrpSpPr/>
+          <p:nvPr/>
+        </p:nvGrpSpPr>
+        <p:grpSpPr>
+          <a:xfrm>
+            <a:off x="4124186" y="4036596"/>
+            <a:ext cx="156154" cy="66676"/>
+            <a:chOff x="8100392" y="4236854"/>
+            <a:chExt cx="156154" cy="66676"/>
+          </a:xfrm>
+        </p:grpSpPr>
+        <p:sp>
+          <p:nvSpPr>
+            <p:cNvPr id="386" name="Ellipse 385"/>
+            <p:cNvSpPr/>
+            <p:nvPr/>
+          </p:nvSpPr>
+          <p:spPr>
+            <a:xfrm>
+              <a:off x="8220546" y="4267530"/>
+              <a:ext cx="36000" cy="36000"/>
+            </a:xfrm>
+            <a:prstGeom prst="ellipse">
+              <a:avLst/>
+            </a:prstGeom>
+            <a:solidFill>
+              <a:schemeClr val="tx1"/>
+            </a:solidFill>
+            <a:ln>
+              <a:solidFill>
+                <a:schemeClr val="tx1">
+                  <a:lumMod val="75000"/>
+                  <a:lumOff val="25000"/>
+                </a:schemeClr>
+              </a:solidFill>
+            </a:ln>
+          </p:spPr>
+          <p:style>
+            <a:lnRef idx="2">
+              <a:schemeClr val="accent1">
+                <a:shade val="50000"/>
+              </a:schemeClr>
+            </a:lnRef>
+            <a:fillRef idx="1">
+              <a:schemeClr val="accent1"/>
+            </a:fillRef>
+            <a:effectRef idx="0">
+              <a:schemeClr val="accent1"/>
+            </a:effectRef>
+            <a:fontRef idx="minor">
+              <a:schemeClr val="lt1"/>
+            </a:fontRef>
+          </p:style>
+          <p:txBody>
+            <a:bodyPr rtlCol="0" anchor="ctr"/>
+            <a:lstStyle/>
+            <a:p>
+              <a:pPr algn="ctr"/>
+              <a:endParaRPr lang="de-DE">
+                <a:ln>
+                  <a:solidFill>
+                    <a:schemeClr val="tx1"/>
+                  </a:solidFill>
+                </a:ln>
+                <a:solidFill>
+                  <a:schemeClr val="tx1"/>
+                </a:solidFill>
+              </a:endParaRPr>
+            </a:p>
+          </p:txBody>
+        </p:sp>
+        <p:sp>
+          <p:nvSpPr>
+            <p:cNvPr id="387" name="Ellipse 386"/>
+            <p:cNvSpPr/>
+            <p:nvPr/>
+          </p:nvSpPr>
+          <p:spPr>
+            <a:xfrm>
+              <a:off x="8156634" y="4236854"/>
+              <a:ext cx="36000" cy="36000"/>
+            </a:xfrm>
+            <a:prstGeom prst="ellipse">
+              <a:avLst/>
+            </a:prstGeom>
+            <a:solidFill>
+              <a:schemeClr val="tx1"/>
+            </a:solidFill>
+            <a:ln>
+              <a:solidFill>
+                <a:schemeClr val="tx1">
+                  <a:lumMod val="75000"/>
+                  <a:lumOff val="25000"/>
+                </a:schemeClr>
+              </a:solidFill>
+            </a:ln>
+          </p:spPr>
+          <p:style>
+            <a:lnRef idx="2">
+              <a:schemeClr val="accent1">
+                <a:shade val="50000"/>
+              </a:schemeClr>
+            </a:lnRef>
+            <a:fillRef idx="1">
+              <a:schemeClr val="accent1"/>
+            </a:fillRef>
+            <a:effectRef idx="0">
+              <a:schemeClr val="accent1"/>
+            </a:effectRef>
+            <a:fontRef idx="minor">
+              <a:schemeClr val="lt1"/>
+            </a:fontRef>
+          </p:style>
+          <p:txBody>
+            <a:bodyPr rtlCol="0" anchor="ctr"/>
+            <a:lstStyle/>
+            <a:p>
+              <a:pPr algn="ctr"/>
+              <a:endParaRPr lang="de-DE">
+                <a:ln>
+                  <a:solidFill>
+                    <a:schemeClr val="tx1"/>
+                  </a:solidFill>
+                </a:ln>
+                <a:solidFill>
+                  <a:schemeClr val="tx1"/>
+                </a:solidFill>
+              </a:endParaRPr>
+            </a:p>
+          </p:txBody>
+        </p:sp>
+        <p:sp>
+          <p:nvSpPr>
+            <p:cNvPr id="388" name="Ellipse 387"/>
+            <p:cNvSpPr/>
+            <p:nvPr/>
+          </p:nvSpPr>
+          <p:spPr>
+            <a:xfrm>
+              <a:off x="8100392" y="4252620"/>
+              <a:ext cx="36000" cy="36000"/>
+            </a:xfrm>
+            <a:prstGeom prst="ellipse">
+              <a:avLst/>
+            </a:prstGeom>
+            <a:solidFill>
+              <a:schemeClr val="tx1"/>
+            </a:solidFill>
+            <a:ln>
+              <a:solidFill>
+                <a:schemeClr val="tx1">
+                  <a:lumMod val="75000"/>
+                  <a:lumOff val="25000"/>
+                </a:schemeClr>
+              </a:solidFill>
+            </a:ln>
+          </p:spPr>
+          <p:style>
+            <a:lnRef idx="2">
+              <a:schemeClr val="accent1">
+                <a:shade val="50000"/>
+              </a:schemeClr>
+            </a:lnRef>
+            <a:fillRef idx="1">
+              <a:schemeClr val="accent1"/>
+            </a:fillRef>
+            <a:effectRef idx="0">
+              <a:schemeClr val="accent1"/>
+            </a:effectRef>
+            <a:fontRef idx="minor">
+              <a:schemeClr val="lt1"/>
+            </a:fontRef>
+          </p:style>
+          <p:txBody>
+            <a:bodyPr rtlCol="0" anchor="ctr"/>
+            <a:lstStyle/>
+            <a:p>
+              <a:pPr algn="ctr"/>
+              <a:endParaRPr lang="de-DE">
+                <a:ln>
+                  <a:solidFill>
+                    <a:schemeClr val="tx1"/>
+                  </a:solidFill>
+                </a:ln>
+                <a:solidFill>
+                  <a:schemeClr val="tx1"/>
+                </a:solidFill>
+              </a:endParaRPr>
+            </a:p>
+          </p:txBody>
+        </p:sp>
+      </p:grpSp>
+      <p:grpSp>
+        <p:nvGrpSpPr>
+          <p:cNvPr id="389" name="Gruppieren 388"/>
+          <p:cNvGrpSpPr/>
+          <p:nvPr/>
+        </p:nvGrpSpPr>
+        <p:grpSpPr>
+          <a:xfrm rot="5400000">
+            <a:off x="3816125" y="3577279"/>
+            <a:ext cx="156154" cy="66676"/>
+            <a:chOff x="8100392" y="4236854"/>
+            <a:chExt cx="156154" cy="66676"/>
+          </a:xfrm>
+        </p:grpSpPr>
+        <p:sp>
+          <p:nvSpPr>
+            <p:cNvPr id="390" name="Ellipse 389"/>
+            <p:cNvSpPr/>
+            <p:nvPr/>
+          </p:nvSpPr>
+          <p:spPr>
+            <a:xfrm>
+              <a:off x="8220546" y="4267530"/>
+              <a:ext cx="36000" cy="36000"/>
+            </a:xfrm>
+            <a:prstGeom prst="ellipse">
+              <a:avLst/>
+            </a:prstGeom>
+            <a:solidFill>
+              <a:schemeClr val="tx1"/>
+            </a:solidFill>
+            <a:ln>
+              <a:solidFill>
+                <a:schemeClr val="tx1">
+                  <a:lumMod val="75000"/>
+                  <a:lumOff val="25000"/>
+                </a:schemeClr>
+              </a:solidFill>
+            </a:ln>
+          </p:spPr>
+          <p:style>
+            <a:lnRef idx="2">
+              <a:schemeClr val="accent1">
+                <a:shade val="50000"/>
+              </a:schemeClr>
+            </a:lnRef>
+            <a:fillRef idx="1">
+              <a:schemeClr val="accent1"/>
+            </a:fillRef>
+            <a:effectRef idx="0">
+              <a:schemeClr val="accent1"/>
+            </a:effectRef>
+            <a:fontRef idx="minor">
+              <a:schemeClr val="lt1"/>
+            </a:fontRef>
+          </p:style>
+          <p:txBody>
+            <a:bodyPr rtlCol="0" anchor="ctr"/>
+            <a:lstStyle/>
+            <a:p>
+              <a:pPr algn="ctr"/>
+              <a:endParaRPr lang="de-DE">
+                <a:ln>
+                  <a:solidFill>
+                    <a:schemeClr val="tx1"/>
+                  </a:solidFill>
+                </a:ln>
+                <a:solidFill>
+                  <a:schemeClr val="tx1"/>
+                </a:solidFill>
+              </a:endParaRPr>
+            </a:p>
+          </p:txBody>
+        </p:sp>
+        <p:sp>
+          <p:nvSpPr>
+            <p:cNvPr id="391" name="Ellipse 390"/>
+            <p:cNvSpPr/>
+            <p:nvPr/>
+          </p:nvSpPr>
+          <p:spPr>
+            <a:xfrm>
+              <a:off x="8156634" y="4236854"/>
+              <a:ext cx="36000" cy="36000"/>
+            </a:xfrm>
+            <a:prstGeom prst="ellipse">
+              <a:avLst/>
+            </a:prstGeom>
+            <a:solidFill>
+              <a:schemeClr val="tx1"/>
+            </a:solidFill>
+            <a:ln>
+              <a:solidFill>
+                <a:schemeClr val="tx1">
+                  <a:lumMod val="75000"/>
+                  <a:lumOff val="25000"/>
+                </a:schemeClr>
+              </a:solidFill>
+            </a:ln>
+          </p:spPr>
+          <p:style>
+            <a:lnRef idx="2">
+              <a:schemeClr val="accent1">
+                <a:shade val="50000"/>
+              </a:schemeClr>
+            </a:lnRef>
+            <a:fillRef idx="1">
+              <a:schemeClr val="accent1"/>
+            </a:fillRef>
+            <a:effectRef idx="0">
+              <a:schemeClr val="accent1"/>
+            </a:effectRef>
+            <a:fontRef idx="minor">
+              <a:schemeClr val="lt1"/>
+            </a:fontRef>
+          </p:style>
+          <p:txBody>
+            <a:bodyPr rtlCol="0" anchor="ctr"/>
+            <a:lstStyle/>
+            <a:p>
+              <a:pPr algn="ctr"/>
+              <a:endParaRPr lang="de-DE">
+                <a:ln>
+                  <a:solidFill>
+                    <a:schemeClr val="tx1"/>
+                  </a:solidFill>
+                </a:ln>
+                <a:solidFill>
+                  <a:schemeClr val="tx1"/>
+                </a:solidFill>
+              </a:endParaRPr>
+            </a:p>
+          </p:txBody>
+        </p:sp>
+        <p:sp>
+          <p:nvSpPr>
+            <p:cNvPr id="392" name="Ellipse 391"/>
+            <p:cNvSpPr/>
+            <p:nvPr/>
+          </p:nvSpPr>
+          <p:spPr>
+            <a:xfrm>
+              <a:off x="8100392" y="4252620"/>
+              <a:ext cx="36000" cy="36000"/>
+            </a:xfrm>
+            <a:prstGeom prst="ellipse">
+              <a:avLst/>
+            </a:prstGeom>
+            <a:solidFill>
+              <a:schemeClr val="tx1"/>
+            </a:solidFill>
+            <a:ln>
+              <a:solidFill>
+                <a:schemeClr val="tx1">
+                  <a:lumMod val="75000"/>
+                  <a:lumOff val="25000"/>
+                </a:schemeClr>
+              </a:solidFill>
+            </a:ln>
+          </p:spPr>
+          <p:style>
+            <a:lnRef idx="2">
+              <a:schemeClr val="accent1">
+                <a:shade val="50000"/>
+              </a:schemeClr>
+            </a:lnRef>
+            <a:fillRef idx="1">
+              <a:schemeClr val="accent1"/>
+            </a:fillRef>
+            <a:effectRef idx="0">
+              <a:schemeClr val="accent1"/>
+            </a:effectRef>
+            <a:fontRef idx="minor">
+              <a:schemeClr val="lt1"/>
+            </a:fontRef>
+          </p:style>
+          <p:txBody>
+            <a:bodyPr rtlCol="0" anchor="ctr"/>
+            <a:lstStyle/>
+            <a:p>
+              <a:pPr algn="ctr"/>
+              <a:endParaRPr lang="de-DE">
+                <a:ln>
+                  <a:solidFill>
+                    <a:schemeClr val="tx1"/>
+                  </a:solidFill>
+                </a:ln>
+                <a:solidFill>
+                  <a:schemeClr val="tx1"/>
+                </a:solidFill>
+              </a:endParaRPr>
+            </a:p>
+          </p:txBody>
+        </p:sp>
+      </p:grpSp>
+      <p:grpSp>
+        <p:nvGrpSpPr>
+          <p:cNvPr id="393" name="Gruppieren 392"/>
+          <p:cNvGrpSpPr/>
+          <p:nvPr/>
+        </p:nvGrpSpPr>
+        <p:grpSpPr>
+          <a:xfrm rot="5400000">
+            <a:off x="5663623" y="3603551"/>
+            <a:ext cx="156154" cy="66676"/>
+            <a:chOff x="8100392" y="4236854"/>
+            <a:chExt cx="156154" cy="66676"/>
+          </a:xfrm>
+        </p:grpSpPr>
+        <p:sp>
+          <p:nvSpPr>
+            <p:cNvPr id="394" name="Ellipse 393"/>
+            <p:cNvSpPr/>
+            <p:nvPr/>
+          </p:nvSpPr>
+          <p:spPr>
+            <a:xfrm>
+              <a:off x="8220546" y="4267530"/>
+              <a:ext cx="36000" cy="36000"/>
+            </a:xfrm>
+            <a:prstGeom prst="ellipse">
+              <a:avLst/>
+            </a:prstGeom>
+            <a:solidFill>
+              <a:schemeClr val="tx1"/>
+            </a:solidFill>
+            <a:ln>
+              <a:solidFill>
+                <a:schemeClr val="tx1">
+                  <a:lumMod val="75000"/>
+                  <a:lumOff val="25000"/>
+                </a:schemeClr>
+              </a:solidFill>
+            </a:ln>
+          </p:spPr>
+          <p:style>
+            <a:lnRef idx="2">
+              <a:schemeClr val="accent1">
+                <a:shade val="50000"/>
+              </a:schemeClr>
+            </a:lnRef>
+            <a:fillRef idx="1">
+              <a:schemeClr val="accent1"/>
+            </a:fillRef>
+            <a:effectRef idx="0">
+              <a:schemeClr val="accent1"/>
+            </a:effectRef>
+            <a:fontRef idx="minor">
+              <a:schemeClr val="lt1"/>
+            </a:fontRef>
+          </p:style>
+          <p:txBody>
+            <a:bodyPr rtlCol="0" anchor="ctr"/>
+            <a:lstStyle/>
+            <a:p>
+              <a:pPr algn="ctr"/>
+              <a:endParaRPr lang="de-DE">
+                <a:ln>
+                  <a:solidFill>
+                    <a:schemeClr val="tx1"/>
+                  </a:solidFill>
+                </a:ln>
+                <a:solidFill>
+                  <a:schemeClr val="tx1"/>
+                </a:solidFill>
+              </a:endParaRPr>
+            </a:p>
+          </p:txBody>
+        </p:sp>
+        <p:sp>
+          <p:nvSpPr>
+            <p:cNvPr id="395" name="Ellipse 394"/>
+            <p:cNvSpPr/>
+            <p:nvPr/>
+          </p:nvSpPr>
+          <p:spPr>
+            <a:xfrm>
+              <a:off x="8156634" y="4236854"/>
+              <a:ext cx="36000" cy="36000"/>
+            </a:xfrm>
+            <a:prstGeom prst="ellipse">
+              <a:avLst/>
+            </a:prstGeom>
+            <a:solidFill>
+              <a:schemeClr val="tx1"/>
+            </a:solidFill>
+            <a:ln>
+              <a:solidFill>
+                <a:schemeClr val="tx1">
+                  <a:lumMod val="75000"/>
+                  <a:lumOff val="25000"/>
+                </a:schemeClr>
+              </a:solidFill>
+            </a:ln>
+          </p:spPr>
+          <p:style>
+            <a:lnRef idx="2">
+              <a:schemeClr val="accent1">
+                <a:shade val="50000"/>
+              </a:schemeClr>
+            </a:lnRef>
+            <a:fillRef idx="1">
+              <a:schemeClr val="accent1"/>
+            </a:fillRef>
+            <a:effectRef idx="0">
+              <a:schemeClr val="accent1"/>
+            </a:effectRef>
+            <a:fontRef idx="minor">
+              <a:schemeClr val="lt1"/>
+            </a:fontRef>
+          </p:style>
+          <p:txBody>
+            <a:bodyPr rtlCol="0" anchor="ctr"/>
+            <a:lstStyle/>
+            <a:p>
+              <a:pPr algn="ctr"/>
+              <a:endParaRPr lang="de-DE">
+                <a:ln>
+                  <a:solidFill>
+                    <a:schemeClr val="tx1"/>
+                  </a:solidFill>
+                </a:ln>
+                <a:solidFill>
+                  <a:schemeClr val="tx1"/>
+                </a:solidFill>
+              </a:endParaRPr>
+            </a:p>
+          </p:txBody>
+        </p:sp>
+        <p:sp>
+          <p:nvSpPr>
+            <p:cNvPr id="396" name="Ellipse 395"/>
+            <p:cNvSpPr/>
+            <p:nvPr/>
+          </p:nvSpPr>
+          <p:spPr>
+            <a:xfrm>
+              <a:off x="8100392" y="4252620"/>
+              <a:ext cx="36000" cy="36000"/>
+            </a:xfrm>
+            <a:prstGeom prst="ellipse">
+              <a:avLst/>
+            </a:prstGeom>
+            <a:solidFill>
+              <a:schemeClr val="tx1"/>
+            </a:solidFill>
+            <a:ln>
+              <a:solidFill>
+                <a:schemeClr val="tx1">
+                  <a:lumMod val="75000"/>
+                  <a:lumOff val="25000"/>
+                </a:schemeClr>
+              </a:solidFill>
+            </a:ln>
+          </p:spPr>
+          <p:style>
+            <a:lnRef idx="2">
+              <a:schemeClr val="accent1">
+                <a:shade val="50000"/>
+              </a:schemeClr>
+            </a:lnRef>
+            <a:fillRef idx="1">
+              <a:schemeClr val="accent1"/>
+            </a:fillRef>
+            <a:effectRef idx="0">
+              <a:schemeClr val="accent1"/>
+            </a:effectRef>
+            <a:fontRef idx="minor">
+              <a:schemeClr val="lt1"/>
+            </a:fontRef>
+          </p:style>
+          <p:txBody>
+            <a:bodyPr rtlCol="0" anchor="ctr"/>
+            <a:lstStyle/>
+            <a:p>
+              <a:pPr algn="ctr"/>
+              <a:endParaRPr lang="de-DE">
+                <a:ln>
+                  <a:solidFill>
+                    <a:schemeClr val="tx1"/>
+                  </a:solidFill>
+                </a:ln>
+                <a:solidFill>
+                  <a:schemeClr val="tx1"/>
+                </a:solidFill>
+              </a:endParaRPr>
+            </a:p>
+          </p:txBody>
+        </p:sp>
+      </p:grpSp>
+      <p:grpSp>
+        <p:nvGrpSpPr>
+          <p:cNvPr id="397" name="Gruppieren 396"/>
+          <p:cNvGrpSpPr/>
+          <p:nvPr/>
+        </p:nvGrpSpPr>
+        <p:grpSpPr>
+          <a:xfrm rot="18000000">
+            <a:off x="3553987" y="4087938"/>
+            <a:ext cx="156154" cy="66676"/>
+            <a:chOff x="8100392" y="4236854"/>
+            <a:chExt cx="156154" cy="66676"/>
+          </a:xfrm>
+        </p:grpSpPr>
+        <p:sp>
+          <p:nvSpPr>
+            <p:cNvPr id="398" name="Ellipse 397"/>
+            <p:cNvSpPr/>
+            <p:nvPr/>
+          </p:nvSpPr>
+          <p:spPr>
+            <a:xfrm>
+              <a:off x="8220546" y="4267530"/>
+              <a:ext cx="36000" cy="36000"/>
+            </a:xfrm>
+            <a:prstGeom prst="ellipse">
+              <a:avLst/>
+            </a:prstGeom>
+            <a:solidFill>
+              <a:schemeClr val="tx1"/>
+            </a:solidFill>
+            <a:ln>
+              <a:solidFill>
+                <a:schemeClr val="tx1">
+                  <a:lumMod val="75000"/>
+                  <a:lumOff val="25000"/>
+                </a:schemeClr>
+              </a:solidFill>
+            </a:ln>
+          </p:spPr>
+          <p:style>
+            <a:lnRef idx="2">
+              <a:schemeClr val="accent1">
+                <a:shade val="50000"/>
+              </a:schemeClr>
+            </a:lnRef>
+            <a:fillRef idx="1">
+              <a:schemeClr val="accent1"/>
+            </a:fillRef>
+            <a:effectRef idx="0">
+              <a:schemeClr val="accent1"/>
+            </a:effectRef>
+            <a:fontRef idx="minor">
+              <a:schemeClr val="lt1"/>
+            </a:fontRef>
+          </p:style>
+          <p:txBody>
+            <a:bodyPr rtlCol="0" anchor="ctr"/>
+            <a:lstStyle/>
+            <a:p>
+              <a:pPr algn="ctr"/>
+              <a:endParaRPr lang="de-DE">
+                <a:ln>
+                  <a:solidFill>
+                    <a:schemeClr val="tx1"/>
+                  </a:solidFill>
+                </a:ln>
+                <a:solidFill>
+                  <a:schemeClr val="tx1"/>
+                </a:solidFill>
+              </a:endParaRPr>
+            </a:p>
+          </p:txBody>
+        </p:sp>
+        <p:sp>
+          <p:nvSpPr>
+            <p:cNvPr id="399" name="Ellipse 398"/>
+            <p:cNvSpPr/>
+            <p:nvPr/>
+          </p:nvSpPr>
+          <p:spPr>
+            <a:xfrm>
+              <a:off x="8156634" y="4236854"/>
+              <a:ext cx="36000" cy="36000"/>
+            </a:xfrm>
+            <a:prstGeom prst="ellipse">
+              <a:avLst/>
+            </a:prstGeom>
+            <a:solidFill>
+              <a:schemeClr val="tx1"/>
+            </a:solidFill>
+            <a:ln>
+              <a:solidFill>
+                <a:schemeClr val="tx1">
+                  <a:lumMod val="75000"/>
+                  <a:lumOff val="25000"/>
+                </a:schemeClr>
+              </a:solidFill>
+            </a:ln>
+          </p:spPr>
+          <p:style>
+            <a:lnRef idx="2">
+              <a:schemeClr val="accent1">
+                <a:shade val="50000"/>
+              </a:schemeClr>
+            </a:lnRef>
+            <a:fillRef idx="1">
+              <a:schemeClr val="accent1"/>
+            </a:fillRef>
+            <a:effectRef idx="0">
+              <a:schemeClr val="accent1"/>
+            </a:effectRef>
+            <a:fontRef idx="minor">
+              <a:schemeClr val="lt1"/>
+            </a:fontRef>
+          </p:style>
+          <p:txBody>
+            <a:bodyPr rtlCol="0" anchor="ctr"/>
+            <a:lstStyle/>
+            <a:p>
+              <a:pPr algn="ctr"/>
+              <a:endParaRPr lang="de-DE">
+                <a:ln>
+                  <a:solidFill>
+                    <a:schemeClr val="tx1"/>
+                  </a:solidFill>
+                </a:ln>
+                <a:solidFill>
+                  <a:schemeClr val="tx1"/>
+                </a:solidFill>
+              </a:endParaRPr>
+            </a:p>
+          </p:txBody>
+        </p:sp>
+        <p:sp>
+          <p:nvSpPr>
+            <p:cNvPr id="400" name="Ellipse 399"/>
+            <p:cNvSpPr/>
+            <p:nvPr/>
+          </p:nvSpPr>
+          <p:spPr>
+            <a:xfrm>
+              <a:off x="8100392" y="4252620"/>
+              <a:ext cx="36000" cy="36000"/>
+            </a:xfrm>
+            <a:prstGeom prst="ellipse">
+              <a:avLst/>
+            </a:prstGeom>
+            <a:solidFill>
+              <a:schemeClr val="tx1"/>
+            </a:solidFill>
+            <a:ln>
+              <a:solidFill>
+                <a:schemeClr val="tx1">
+                  <a:lumMod val="75000"/>
+                  <a:lumOff val="25000"/>
+                </a:schemeClr>
+              </a:solidFill>
+            </a:ln>
+          </p:spPr>
+          <p:style>
+            <a:lnRef idx="2">
+              <a:schemeClr val="accent1">
+                <a:shade val="50000"/>
+              </a:schemeClr>
+            </a:lnRef>
+            <a:fillRef idx="1">
+              <a:schemeClr val="accent1"/>
+            </a:fillRef>
+            <a:effectRef idx="0">
+              <a:schemeClr val="accent1"/>
+            </a:effectRef>
+            <a:fontRef idx="minor">
+              <a:schemeClr val="lt1"/>
+            </a:fontRef>
+          </p:style>
+          <p:txBody>
+            <a:bodyPr rtlCol="0" anchor="ctr"/>
+            <a:lstStyle/>
+            <a:p>
+              <a:pPr algn="ctr"/>
+              <a:endParaRPr lang="de-DE">
+                <a:ln>
+                  <a:solidFill>
+                    <a:schemeClr val="tx1"/>
+                  </a:solidFill>
+                </a:ln>
+                <a:solidFill>
+                  <a:schemeClr val="tx1"/>
+                </a:solidFill>
+              </a:endParaRPr>
+            </a:p>
+          </p:txBody>
+        </p:sp>
+      </p:grpSp>
+      <p:grpSp>
+        <p:nvGrpSpPr>
+          <p:cNvPr id="401" name="Gruppieren 400"/>
+          <p:cNvGrpSpPr/>
+          <p:nvPr/>
+        </p:nvGrpSpPr>
+        <p:grpSpPr>
+          <a:xfrm rot="18000000">
+            <a:off x="5369688" y="4112254"/>
+            <a:ext cx="156154" cy="66676"/>
+            <a:chOff x="8100392" y="4236854"/>
+            <a:chExt cx="156154" cy="66676"/>
+          </a:xfrm>
+        </p:grpSpPr>
+        <p:sp>
+          <p:nvSpPr>
+            <p:cNvPr id="402" name="Ellipse 401"/>
+            <p:cNvSpPr/>
+            <p:nvPr/>
+          </p:nvSpPr>
+          <p:spPr>
+            <a:xfrm>
+              <a:off x="8220546" y="4267530"/>
+              <a:ext cx="36000" cy="36000"/>
+            </a:xfrm>
+            <a:prstGeom prst="ellipse">
+              <a:avLst/>
+            </a:prstGeom>
+            <a:solidFill>
+              <a:schemeClr val="tx1"/>
+            </a:solidFill>
+            <a:ln>
+              <a:solidFill>
+                <a:schemeClr val="tx1">
+                  <a:lumMod val="75000"/>
+                  <a:lumOff val="25000"/>
+                </a:schemeClr>
+              </a:solidFill>
+            </a:ln>
+          </p:spPr>
+          <p:style>
+            <a:lnRef idx="2">
+              <a:schemeClr val="accent1">
+                <a:shade val="50000"/>
+              </a:schemeClr>
+            </a:lnRef>
+            <a:fillRef idx="1">
+              <a:schemeClr val="accent1"/>
+            </a:fillRef>
+            <a:effectRef idx="0">
+              <a:schemeClr val="accent1"/>
+            </a:effectRef>
+            <a:fontRef idx="minor">
+              <a:schemeClr val="lt1"/>
+            </a:fontRef>
+          </p:style>
+          <p:txBody>
+            <a:bodyPr rtlCol="0" anchor="ctr"/>
+            <a:lstStyle/>
+            <a:p>
+              <a:pPr algn="ctr"/>
+              <a:endParaRPr lang="de-DE">
+                <a:ln>
+                  <a:solidFill>
+                    <a:schemeClr val="tx1"/>
+                  </a:solidFill>
+                </a:ln>
+                <a:solidFill>
+                  <a:schemeClr val="tx1"/>
+                </a:solidFill>
+              </a:endParaRPr>
+            </a:p>
+          </p:txBody>
+        </p:sp>
+        <p:sp>
+          <p:nvSpPr>
+            <p:cNvPr id="403" name="Ellipse 402"/>
+            <p:cNvSpPr/>
+            <p:nvPr/>
+          </p:nvSpPr>
+          <p:spPr>
+            <a:xfrm>
+              <a:off x="8156634" y="4236854"/>
+              <a:ext cx="36000" cy="36000"/>
+            </a:xfrm>
+            <a:prstGeom prst="ellipse">
+              <a:avLst/>
+            </a:prstGeom>
+            <a:solidFill>
+              <a:schemeClr val="tx1"/>
+            </a:solidFill>
+            <a:ln>
+              <a:solidFill>
+                <a:schemeClr val="tx1">
+                  <a:lumMod val="75000"/>
+                  <a:lumOff val="25000"/>
+                </a:schemeClr>
+              </a:solidFill>
+            </a:ln>
+          </p:spPr>
+          <p:style>
+            <a:lnRef idx="2">
+              <a:schemeClr val="accent1">
+                <a:shade val="50000"/>
+              </a:schemeClr>
+            </a:lnRef>
+            <a:fillRef idx="1">
+              <a:schemeClr val="accent1"/>
+            </a:fillRef>
+            <a:effectRef idx="0">
+              <a:schemeClr val="accent1"/>
+            </a:effectRef>
+            <a:fontRef idx="minor">
+              <a:schemeClr val="lt1"/>
+            </a:fontRef>
+          </p:style>
+          <p:txBody>
+            <a:bodyPr rtlCol="0" anchor="ctr"/>
+            <a:lstStyle/>
+            <a:p>
+              <a:pPr algn="ctr"/>
+              <a:endParaRPr lang="de-DE">
+                <a:ln>
+                  <a:solidFill>
+                    <a:schemeClr val="tx1"/>
+                  </a:solidFill>
+                </a:ln>
+                <a:solidFill>
+                  <a:schemeClr val="tx1"/>
+                </a:solidFill>
+              </a:endParaRPr>
+            </a:p>
+          </p:txBody>
+        </p:sp>
+        <p:sp>
+          <p:nvSpPr>
+            <p:cNvPr id="404" name="Ellipse 403"/>
+            <p:cNvSpPr/>
+            <p:nvPr/>
+          </p:nvSpPr>
+          <p:spPr>
+            <a:xfrm>
+              <a:off x="8100392" y="4252620"/>
+              <a:ext cx="36000" cy="36000"/>
+            </a:xfrm>
+            <a:prstGeom prst="ellipse">
+              <a:avLst/>
+            </a:prstGeom>
+            <a:solidFill>
+              <a:schemeClr val="tx1"/>
+            </a:solidFill>
+            <a:ln>
+              <a:solidFill>
+                <a:schemeClr val="tx1">
+                  <a:lumMod val="75000"/>
+                  <a:lumOff val="25000"/>
+                </a:schemeClr>
+              </a:solidFill>
+            </a:ln>
+          </p:spPr>
+          <p:style>
+            <a:lnRef idx="2">
+              <a:schemeClr val="accent1">
+                <a:shade val="50000"/>
+              </a:schemeClr>
+            </a:lnRef>
+            <a:fillRef idx="1">
+              <a:schemeClr val="accent1"/>
+            </a:fillRef>
+            <a:effectRef idx="0">
+              <a:schemeClr val="accent1"/>
+            </a:effectRef>
+            <a:fontRef idx="minor">
+              <a:schemeClr val="lt1"/>
+            </a:fontRef>
+          </p:style>
+          <p:txBody>
+            <a:bodyPr rtlCol="0" anchor="ctr"/>
+            <a:lstStyle/>
+            <a:p>
+              <a:pPr algn="ctr"/>
+              <a:endParaRPr lang="de-DE">
+                <a:ln>
+                  <a:solidFill>
+                    <a:schemeClr val="tx1"/>
+                  </a:solidFill>
+                </a:ln>
+                <a:solidFill>
+                  <a:schemeClr val="tx1"/>
+                </a:solidFill>
+              </a:endParaRPr>
+            </a:p>
+          </p:txBody>
+        </p:sp>
+      </p:grpSp>
+      <p:grpSp>
+        <p:nvGrpSpPr>
+          <p:cNvPr id="405" name="Gruppieren 404"/>
+          <p:cNvGrpSpPr/>
+          <p:nvPr/>
+        </p:nvGrpSpPr>
+        <p:grpSpPr>
+          <a:xfrm rot="-360000">
+            <a:off x="3566946" y="3705441"/>
+            <a:ext cx="156154" cy="66676"/>
+            <a:chOff x="8100392" y="4236854"/>
+            <a:chExt cx="156154" cy="66676"/>
+          </a:xfrm>
+        </p:grpSpPr>
+        <p:sp>
+          <p:nvSpPr>
+            <p:cNvPr id="406" name="Ellipse 405"/>
+            <p:cNvSpPr/>
+            <p:nvPr/>
+          </p:nvSpPr>
+          <p:spPr>
+            <a:xfrm>
+              <a:off x="8220546" y="4267530"/>
+              <a:ext cx="36000" cy="36000"/>
+            </a:xfrm>
+            <a:prstGeom prst="ellipse">
+              <a:avLst/>
+            </a:prstGeom>
+            <a:solidFill>
+              <a:schemeClr val="tx1"/>
+            </a:solidFill>
+            <a:ln>
+              <a:solidFill>
+                <a:schemeClr val="tx1">
+                  <a:lumMod val="75000"/>
+                  <a:lumOff val="25000"/>
+                </a:schemeClr>
+              </a:solidFill>
+            </a:ln>
+          </p:spPr>
+          <p:style>
+            <a:lnRef idx="2">
+              <a:schemeClr val="accent1">
+                <a:shade val="50000"/>
+              </a:schemeClr>
+            </a:lnRef>
+            <a:fillRef idx="1">
+              <a:schemeClr val="accent1"/>
+            </a:fillRef>
+            <a:effectRef idx="0">
+              <a:schemeClr val="accent1"/>
+            </a:effectRef>
+            <a:fontRef idx="minor">
+              <a:schemeClr val="lt1"/>
+            </a:fontRef>
+          </p:style>
+          <p:txBody>
+            <a:bodyPr rtlCol="0" anchor="ctr"/>
+            <a:lstStyle/>
+            <a:p>
+              <a:pPr algn="ctr"/>
+              <a:endParaRPr lang="de-DE">
+                <a:ln>
+                  <a:solidFill>
+                    <a:schemeClr val="tx1"/>
+                  </a:solidFill>
+                </a:ln>
+                <a:solidFill>
+                  <a:schemeClr val="tx1"/>
+                </a:solidFill>
+              </a:endParaRPr>
+            </a:p>
+          </p:txBody>
+        </p:sp>
+        <p:sp>
+          <p:nvSpPr>
+            <p:cNvPr id="407" name="Ellipse 406"/>
+            <p:cNvSpPr/>
+            <p:nvPr/>
+          </p:nvSpPr>
+          <p:spPr>
+            <a:xfrm>
+              <a:off x="8156634" y="4236854"/>
+              <a:ext cx="36000" cy="36000"/>
+            </a:xfrm>
+            <a:prstGeom prst="ellipse">
+              <a:avLst/>
+            </a:prstGeom>
+            <a:solidFill>
+              <a:schemeClr val="tx1"/>
+            </a:solidFill>
+            <a:ln>
+              <a:solidFill>
+                <a:schemeClr val="tx1">
+                  <a:lumMod val="75000"/>
+                  <a:lumOff val="25000"/>
+                </a:schemeClr>
+              </a:solidFill>
+            </a:ln>
+          </p:spPr>
+          <p:style>
+            <a:lnRef idx="2">
+              <a:schemeClr val="accent1">
+                <a:shade val="50000"/>
+              </a:schemeClr>
+            </a:lnRef>
+            <a:fillRef idx="1">
+              <a:schemeClr val="accent1"/>
+            </a:fillRef>
+            <a:effectRef idx="0">
+              <a:schemeClr val="accent1"/>
+            </a:effectRef>
+            <a:fontRef idx="minor">
+              <a:schemeClr val="lt1"/>
+            </a:fontRef>
+          </p:style>
+          <p:txBody>
+            <a:bodyPr rtlCol="0" anchor="ctr"/>
+            <a:lstStyle/>
+            <a:p>
+              <a:pPr algn="ctr"/>
+              <a:endParaRPr lang="de-DE">
+                <a:ln>
+                  <a:solidFill>
+                    <a:schemeClr val="tx1"/>
+                  </a:solidFill>
+                </a:ln>
+                <a:solidFill>
+                  <a:schemeClr val="tx1"/>
+                </a:solidFill>
+              </a:endParaRPr>
+            </a:p>
+          </p:txBody>
+        </p:sp>
+        <p:sp>
+          <p:nvSpPr>
+            <p:cNvPr id="408" name="Ellipse 407"/>
+            <p:cNvSpPr/>
+            <p:nvPr/>
+          </p:nvSpPr>
+          <p:spPr>
+            <a:xfrm>
+              <a:off x="8100392" y="4252620"/>
+              <a:ext cx="36000" cy="36000"/>
+            </a:xfrm>
+            <a:prstGeom prst="ellipse">
+              <a:avLst/>
+            </a:prstGeom>
+            <a:solidFill>
+              <a:schemeClr val="tx1"/>
+            </a:solidFill>
+            <a:ln>
+              <a:solidFill>
+                <a:schemeClr val="tx1">
+                  <a:lumMod val="75000"/>
+                  <a:lumOff val="25000"/>
+                </a:schemeClr>
+              </a:solidFill>
+            </a:ln>
+          </p:spPr>
+          <p:style>
+            <a:lnRef idx="2">
+              <a:schemeClr val="accent1">
+                <a:shade val="50000"/>
+              </a:schemeClr>
+            </a:lnRef>
+            <a:fillRef idx="1">
+              <a:schemeClr val="accent1"/>
+            </a:fillRef>
+            <a:effectRef idx="0">
+              <a:schemeClr val="accent1"/>
+            </a:effectRef>
+            <a:fontRef idx="minor">
+              <a:schemeClr val="lt1"/>
+            </a:fontRef>
+          </p:style>
+          <p:txBody>
+            <a:bodyPr rtlCol="0" anchor="ctr"/>
+            <a:lstStyle/>
+            <a:p>
+              <a:pPr algn="ctr"/>
+              <a:endParaRPr lang="de-DE">
+                <a:ln>
+                  <a:solidFill>
+                    <a:schemeClr val="tx1"/>
+                  </a:solidFill>
+                </a:ln>
+                <a:solidFill>
+                  <a:schemeClr val="tx1"/>
+                </a:solidFill>
+              </a:endParaRPr>
+            </a:p>
+          </p:txBody>
+        </p:sp>
+      </p:grpSp>
+      <p:grpSp>
+        <p:nvGrpSpPr>
+          <p:cNvPr id="409" name="Gruppieren 408"/>
+          <p:cNvGrpSpPr/>
+          <p:nvPr/>
+        </p:nvGrpSpPr>
+        <p:grpSpPr>
+          <a:xfrm rot="-360000">
+            <a:off x="5398678" y="3725011"/>
+            <a:ext cx="156154" cy="66676"/>
+            <a:chOff x="8100392" y="4236854"/>
+            <a:chExt cx="156154" cy="66676"/>
+          </a:xfrm>
+        </p:grpSpPr>
+        <p:sp>
+          <p:nvSpPr>
+            <p:cNvPr id="410" name="Ellipse 409"/>
+            <p:cNvSpPr/>
+            <p:nvPr/>
+          </p:nvSpPr>
+          <p:spPr>
+            <a:xfrm>
+              <a:off x="8220546" y="4267530"/>
+              <a:ext cx="36000" cy="36000"/>
+            </a:xfrm>
+            <a:prstGeom prst="ellipse">
+              <a:avLst/>
+            </a:prstGeom>
+            <a:solidFill>
+              <a:schemeClr val="tx1"/>
+            </a:solidFill>
+            <a:ln>
+              <a:solidFill>
+                <a:schemeClr val="tx1">
+                  <a:lumMod val="75000"/>
+                  <a:lumOff val="25000"/>
+                </a:schemeClr>
+              </a:solidFill>
+            </a:ln>
+          </p:spPr>
+          <p:style>
+            <a:lnRef idx="2">
+              <a:schemeClr val="accent1">
+                <a:shade val="50000"/>
+              </a:schemeClr>
+            </a:lnRef>
+            <a:fillRef idx="1">
+              <a:schemeClr val="accent1"/>
+            </a:fillRef>
+            <a:effectRef idx="0">
+              <a:schemeClr val="accent1"/>
+            </a:effectRef>
+            <a:fontRef idx="minor">
+              <a:schemeClr val="lt1"/>
+            </a:fontRef>
+          </p:style>
+          <p:txBody>
+            <a:bodyPr rtlCol="0" anchor="ctr"/>
+            <a:lstStyle/>
+            <a:p>
+              <a:pPr algn="ctr"/>
+              <a:endParaRPr lang="de-DE">
+                <a:ln>
+                  <a:solidFill>
+                    <a:schemeClr val="tx1"/>
+                  </a:solidFill>
+                </a:ln>
+                <a:solidFill>
+                  <a:schemeClr val="tx1"/>
+                </a:solidFill>
+              </a:endParaRPr>
+            </a:p>
+          </p:txBody>
+        </p:sp>
+        <p:sp>
+          <p:nvSpPr>
+            <p:cNvPr id="411" name="Ellipse 410"/>
+            <p:cNvSpPr/>
+            <p:nvPr/>
+          </p:nvSpPr>
+          <p:spPr>
+            <a:xfrm>
+              <a:off x="8156634" y="4236854"/>
+              <a:ext cx="36000" cy="36000"/>
+            </a:xfrm>
+            <a:prstGeom prst="ellipse">
+              <a:avLst/>
+            </a:prstGeom>
+            <a:solidFill>
+              <a:schemeClr val="tx1"/>
+            </a:solidFill>
+            <a:ln>
+              <a:solidFill>
+                <a:schemeClr val="tx1">
+                  <a:lumMod val="75000"/>
+                  <a:lumOff val="25000"/>
+                </a:schemeClr>
+              </a:solidFill>
+            </a:ln>
+          </p:spPr>
+          <p:style>
+            <a:lnRef idx="2">
+              <a:schemeClr val="accent1">
+                <a:shade val="50000"/>
+              </a:schemeClr>
+            </a:lnRef>
+            <a:fillRef idx="1">
+              <a:schemeClr val="accent1"/>
+            </a:fillRef>
+            <a:effectRef idx="0">
+              <a:schemeClr val="accent1"/>
+            </a:effectRef>
+            <a:fontRef idx="minor">
+              <a:schemeClr val="lt1"/>
+            </a:fontRef>
+          </p:style>
+          <p:txBody>
+            <a:bodyPr rtlCol="0" anchor="ctr"/>
+            <a:lstStyle/>
+            <a:p>
+              <a:pPr algn="ctr"/>
+              <a:endParaRPr lang="de-DE">
+                <a:ln>
+                  <a:solidFill>
+                    <a:schemeClr val="tx1"/>
+                  </a:solidFill>
+                </a:ln>
+                <a:solidFill>
+                  <a:schemeClr val="tx1"/>
+                </a:solidFill>
+              </a:endParaRPr>
+            </a:p>
+          </p:txBody>
+        </p:sp>
+        <p:sp>
+          <p:nvSpPr>
+            <p:cNvPr id="412" name="Ellipse 411"/>
+            <p:cNvSpPr/>
+            <p:nvPr/>
+          </p:nvSpPr>
+          <p:spPr>
+            <a:xfrm>
+              <a:off x="8100392" y="4252620"/>
+              <a:ext cx="36000" cy="36000"/>
+            </a:xfrm>
+            <a:prstGeom prst="ellipse">
+              <a:avLst/>
+            </a:prstGeom>
+            <a:solidFill>
+              <a:schemeClr val="tx1"/>
+            </a:solidFill>
+            <a:ln>
+              <a:solidFill>
+                <a:schemeClr val="tx1">
+                  <a:lumMod val="75000"/>
+                  <a:lumOff val="25000"/>
+                </a:schemeClr>
+              </a:solidFill>
+            </a:ln>
+          </p:spPr>
+          <p:style>
+            <a:lnRef idx="2">
+              <a:schemeClr val="accent1">
+                <a:shade val="50000"/>
+              </a:schemeClr>
+            </a:lnRef>
+            <a:fillRef idx="1">
+              <a:schemeClr val="accent1"/>
+            </a:fillRef>
+            <a:effectRef idx="0">
+              <a:schemeClr val="accent1"/>
+            </a:effectRef>
+            <a:fontRef idx="minor">
+              <a:schemeClr val="lt1"/>
+            </a:fontRef>
+          </p:style>
+          <p:txBody>
+            <a:bodyPr rtlCol="0" anchor="ctr"/>
+            <a:lstStyle/>
+            <a:p>
+              <a:pPr algn="ctr"/>
+              <a:endParaRPr lang="de-DE">
+                <a:ln>
+                  <a:solidFill>
+                    <a:schemeClr val="tx1"/>
+                  </a:solidFill>
+                </a:ln>
+                <a:solidFill>
+                  <a:schemeClr val="tx1"/>
+                </a:solidFill>
+              </a:endParaRPr>
+            </a:p>
+          </p:txBody>
+        </p:sp>
+      </p:grpSp>
+      <p:grpSp>
+        <p:nvGrpSpPr>
+          <p:cNvPr id="413" name="Gruppieren 412"/>
+          <p:cNvGrpSpPr/>
+          <p:nvPr/>
+        </p:nvGrpSpPr>
+        <p:grpSpPr>
+          <a:xfrm rot="4980000">
+            <a:off x="3872690" y="4309784"/>
+            <a:ext cx="156154" cy="66676"/>
+            <a:chOff x="8100392" y="4236854"/>
+            <a:chExt cx="156154" cy="66676"/>
+          </a:xfrm>
+        </p:grpSpPr>
+        <p:sp>
+          <p:nvSpPr>
+            <p:cNvPr id="414" name="Ellipse 413"/>
+            <p:cNvSpPr/>
+            <p:nvPr/>
+          </p:nvSpPr>
+          <p:spPr>
+            <a:xfrm>
+              <a:off x="8220546" y="4267530"/>
+              <a:ext cx="36000" cy="36000"/>
+            </a:xfrm>
+            <a:prstGeom prst="ellipse">
+              <a:avLst/>
+            </a:prstGeom>
+            <a:solidFill>
+              <a:schemeClr val="tx1"/>
+            </a:solidFill>
+            <a:ln>
+              <a:solidFill>
+                <a:schemeClr val="tx1">
+                  <a:lumMod val="75000"/>
+                  <a:lumOff val="25000"/>
+                </a:schemeClr>
+              </a:solidFill>
+            </a:ln>
+          </p:spPr>
+          <p:style>
+            <a:lnRef idx="2">
+              <a:schemeClr val="accent1">
+                <a:shade val="50000"/>
+              </a:schemeClr>
+            </a:lnRef>
+            <a:fillRef idx="1">
+              <a:schemeClr val="accent1"/>
+            </a:fillRef>
+            <a:effectRef idx="0">
+              <a:schemeClr val="accent1"/>
+            </a:effectRef>
+            <a:fontRef idx="minor">
+              <a:schemeClr val="lt1"/>
+            </a:fontRef>
+          </p:style>
+          <p:txBody>
+            <a:bodyPr rtlCol="0" anchor="ctr"/>
+            <a:lstStyle/>
+            <a:p>
+              <a:pPr algn="ctr"/>
+              <a:endParaRPr lang="de-DE">
+                <a:ln>
+                  <a:solidFill>
+                    <a:schemeClr val="tx1"/>
+                  </a:solidFill>
+                </a:ln>
+                <a:solidFill>
+                  <a:schemeClr val="tx1"/>
+                </a:solidFill>
+              </a:endParaRPr>
+            </a:p>
+          </p:txBody>
+        </p:sp>
+        <p:sp>
+          <p:nvSpPr>
+            <p:cNvPr id="415" name="Ellipse 414"/>
+            <p:cNvSpPr/>
+            <p:nvPr/>
+          </p:nvSpPr>
+          <p:spPr>
+            <a:xfrm>
+              <a:off x="8156634" y="4236854"/>
+              <a:ext cx="36000" cy="36000"/>
+            </a:xfrm>
+            <a:prstGeom prst="ellipse">
+              <a:avLst/>
+            </a:prstGeom>
+            <a:solidFill>
+              <a:schemeClr val="tx1"/>
+            </a:solidFill>
+            <a:ln>
+              <a:solidFill>
+                <a:schemeClr val="tx1">
+                  <a:lumMod val="75000"/>
+                  <a:lumOff val="25000"/>
+                </a:schemeClr>
+              </a:solidFill>
+            </a:ln>
+          </p:spPr>
+          <p:style>
+            <a:lnRef idx="2">
+              <a:schemeClr val="accent1">
+                <a:shade val="50000"/>
+              </a:schemeClr>
+            </a:lnRef>
+            <a:fillRef idx="1">
+              <a:schemeClr val="accent1"/>
+            </a:fillRef>
+            <a:effectRef idx="0">
+              <a:schemeClr val="accent1"/>
+            </a:effectRef>
+            <a:fontRef idx="minor">
+              <a:schemeClr val="lt1"/>
+            </a:fontRef>
+          </p:style>
+          <p:txBody>
+            <a:bodyPr rtlCol="0" anchor="ctr"/>
+            <a:lstStyle/>
+            <a:p>
+              <a:pPr algn="ctr"/>
+              <a:endParaRPr lang="de-DE">
+                <a:ln>
+                  <a:solidFill>
+                    <a:schemeClr val="tx1"/>
+                  </a:solidFill>
+                </a:ln>
+                <a:solidFill>
+                  <a:schemeClr val="tx1"/>
+                </a:solidFill>
+              </a:endParaRPr>
+            </a:p>
+          </p:txBody>
+        </p:sp>
+        <p:sp>
+          <p:nvSpPr>
+            <p:cNvPr id="416" name="Ellipse 415"/>
+            <p:cNvSpPr/>
+            <p:nvPr/>
+          </p:nvSpPr>
+          <p:spPr>
+            <a:xfrm>
+              <a:off x="8100392" y="4252620"/>
+              <a:ext cx="36000" cy="36000"/>
+            </a:xfrm>
+            <a:prstGeom prst="ellipse">
+              <a:avLst/>
+            </a:prstGeom>
+            <a:solidFill>
+              <a:schemeClr val="tx1"/>
+            </a:solidFill>
+            <a:ln>
+              <a:solidFill>
+                <a:schemeClr val="tx1">
+                  <a:lumMod val="75000"/>
+                  <a:lumOff val="25000"/>
+                </a:schemeClr>
+              </a:solidFill>
+            </a:ln>
+          </p:spPr>
+          <p:style>
+            <a:lnRef idx="2">
+              <a:schemeClr val="accent1">
+                <a:shade val="50000"/>
+              </a:schemeClr>
+            </a:lnRef>
+            <a:fillRef idx="1">
+              <a:schemeClr val="accent1"/>
+            </a:fillRef>
+            <a:effectRef idx="0">
+              <a:schemeClr val="accent1"/>
+            </a:effectRef>
+            <a:fontRef idx="minor">
+              <a:schemeClr val="lt1"/>
+            </a:fontRef>
+          </p:style>
+          <p:txBody>
+            <a:bodyPr rtlCol="0" anchor="ctr"/>
+            <a:lstStyle/>
+            <a:p>
+              <a:pPr algn="ctr"/>
+              <a:endParaRPr lang="de-DE">
+                <a:ln>
+                  <a:solidFill>
+                    <a:schemeClr val="tx1"/>
+                  </a:solidFill>
+                </a:ln>
+                <a:solidFill>
+                  <a:schemeClr val="tx1"/>
+                </a:solidFill>
+              </a:endParaRPr>
+            </a:p>
+          </p:txBody>
+        </p:sp>
+      </p:grpSp>
+      <p:grpSp>
+        <p:nvGrpSpPr>
+          <p:cNvPr id="417" name="Gruppieren 416"/>
+          <p:cNvGrpSpPr/>
+          <p:nvPr/>
+        </p:nvGrpSpPr>
+        <p:grpSpPr>
+          <a:xfrm rot="4980000">
+            <a:off x="5704422" y="4318728"/>
+            <a:ext cx="156154" cy="66676"/>
+            <a:chOff x="8100392" y="4236854"/>
+            <a:chExt cx="156154" cy="66676"/>
+          </a:xfrm>
+        </p:grpSpPr>
+        <p:sp>
+          <p:nvSpPr>
+            <p:cNvPr id="418" name="Ellipse 417"/>
+            <p:cNvSpPr/>
+            <p:nvPr/>
+          </p:nvSpPr>
+          <p:spPr>
+            <a:xfrm>
+              <a:off x="8220546" y="4267530"/>
+              <a:ext cx="36000" cy="36000"/>
+            </a:xfrm>
+            <a:prstGeom prst="ellipse">
+              <a:avLst/>
+            </a:prstGeom>
+            <a:solidFill>
+              <a:schemeClr val="tx1"/>
+            </a:solidFill>
+            <a:ln>
+              <a:solidFill>
+                <a:schemeClr val="tx1">
+                  <a:lumMod val="75000"/>
+                  <a:lumOff val="25000"/>
+                </a:schemeClr>
+              </a:solidFill>
+            </a:ln>
+          </p:spPr>
+          <p:style>
+            <a:lnRef idx="2">
+              <a:schemeClr val="accent1">
+                <a:shade val="50000"/>
+              </a:schemeClr>
+            </a:lnRef>
+            <a:fillRef idx="1">
+              <a:schemeClr val="accent1"/>
+            </a:fillRef>
+            <a:effectRef idx="0">
+              <a:schemeClr val="accent1"/>
+            </a:effectRef>
+            <a:fontRef idx="minor">
+              <a:schemeClr val="lt1"/>
+            </a:fontRef>
+          </p:style>
+          <p:txBody>
+            <a:bodyPr rtlCol="0" anchor="ctr"/>
+            <a:lstStyle/>
+            <a:p>
+              <a:pPr algn="ctr"/>
+              <a:endParaRPr lang="de-DE">
+                <a:ln>
+                  <a:solidFill>
+                    <a:schemeClr val="tx1"/>
+                  </a:solidFill>
+                </a:ln>
+                <a:solidFill>
+                  <a:schemeClr val="tx1"/>
+                </a:solidFill>
+              </a:endParaRPr>
+            </a:p>
+          </p:txBody>
+        </p:sp>
+        <p:sp>
+          <p:nvSpPr>
+            <p:cNvPr id="419" name="Ellipse 418"/>
+            <p:cNvSpPr/>
+            <p:nvPr/>
+          </p:nvSpPr>
+          <p:spPr>
+            <a:xfrm>
+              <a:off x="8156634" y="4236854"/>
+              <a:ext cx="36000" cy="36000"/>
+            </a:xfrm>
+            <a:prstGeom prst="ellipse">
+              <a:avLst/>
+            </a:prstGeom>
+            <a:solidFill>
+              <a:schemeClr val="tx1"/>
+            </a:solidFill>
+            <a:ln>
+              <a:solidFill>
+                <a:schemeClr val="tx1">
+                  <a:lumMod val="75000"/>
+                  <a:lumOff val="25000"/>
+                </a:schemeClr>
+              </a:solidFill>
+            </a:ln>
+          </p:spPr>
+          <p:style>
+            <a:lnRef idx="2">
+              <a:schemeClr val="accent1">
+                <a:shade val="50000"/>
+              </a:schemeClr>
+            </a:lnRef>
+            <a:fillRef idx="1">
+              <a:schemeClr val="accent1"/>
+            </a:fillRef>
+            <a:effectRef idx="0">
+              <a:schemeClr val="accent1"/>
+            </a:effectRef>
+            <a:fontRef idx="minor">
+              <a:schemeClr val="lt1"/>
+            </a:fontRef>
+          </p:style>
+          <p:txBody>
+            <a:bodyPr rtlCol="0" anchor="ctr"/>
+            <a:lstStyle/>
+            <a:p>
+              <a:pPr algn="ctr"/>
+              <a:endParaRPr lang="de-DE">
+                <a:ln>
+                  <a:solidFill>
+                    <a:schemeClr val="tx1"/>
+                  </a:solidFill>
+                </a:ln>
+                <a:solidFill>
+                  <a:schemeClr val="tx1"/>
+                </a:solidFill>
+              </a:endParaRPr>
+            </a:p>
+          </p:txBody>
+        </p:sp>
+        <p:sp>
+          <p:nvSpPr>
+            <p:cNvPr id="420" name="Ellipse 419"/>
+            <p:cNvSpPr/>
+            <p:nvPr/>
+          </p:nvSpPr>
+          <p:spPr>
+            <a:xfrm>
+              <a:off x="8100392" y="4252620"/>
+              <a:ext cx="36000" cy="36000"/>
+            </a:xfrm>
+            <a:prstGeom prst="ellipse">
+              <a:avLst/>
+            </a:prstGeom>
+            <a:solidFill>
+              <a:schemeClr val="tx1"/>
+            </a:solidFill>
+            <a:ln>
+              <a:solidFill>
+                <a:schemeClr val="tx1">
+                  <a:lumMod val="75000"/>
+                  <a:lumOff val="25000"/>
+                </a:schemeClr>
+              </a:solidFill>
+            </a:ln>
+          </p:spPr>
+          <p:style>
+            <a:lnRef idx="2">
+              <a:schemeClr val="accent1">
+                <a:shade val="50000"/>
+              </a:schemeClr>
+            </a:lnRef>
+            <a:fillRef idx="1">
+              <a:schemeClr val="accent1"/>
+            </a:fillRef>
+            <a:effectRef idx="0">
+              <a:schemeClr val="accent1"/>
+            </a:effectRef>
+            <a:fontRef idx="minor">
+              <a:schemeClr val="lt1"/>
+            </a:fontRef>
+          </p:style>
+          <p:txBody>
+            <a:bodyPr rtlCol="0" anchor="ctr"/>
+            <a:lstStyle/>
+            <a:p>
+              <a:pPr algn="ctr"/>
+              <a:endParaRPr lang="de-DE">
+                <a:ln>
+                  <a:solidFill>
+                    <a:schemeClr val="tx1"/>
+                  </a:solidFill>
+                </a:ln>
+                <a:solidFill>
+                  <a:schemeClr val="tx1"/>
+                </a:solidFill>
+              </a:endParaRPr>
+            </a:p>
+          </p:txBody>
+        </p:sp>
+      </p:grpSp>
     </p:spTree>
     <p:extLst>
       <p:ext uri="{BB962C8B-B14F-4D97-AF65-F5344CB8AC3E}">
@@ -18325,7 +20328,7 @@
       </p:grpSpPr>
       <p:pic>
         <p:nvPicPr>
-          <p:cNvPr id="1026" name="Picture 2"/>
+          <p:cNvPr id="1027" name="Picture 3"/>
           <p:cNvPicPr>
             <a:picLocks noChangeAspect="1" noChangeArrowheads="1"/>
           </p:cNvPicPr>
@@ -18346,8 +20349,8 @@
         </p:blipFill>
         <p:spPr bwMode="auto">
           <a:xfrm>
-            <a:off x="1192144" y="539736"/>
-            <a:ext cx="6875284" cy="5544616"/>
+            <a:off x="467313" y="236141"/>
+            <a:ext cx="8065127" cy="6361211"/>
           </a:xfrm>
           <a:prstGeom prst="rect">
             <a:avLst/>
@@ -18404,6 +20407,36 @@
       </p:par>
     </p:tnLst>
   </p:timing>
+</p:sld>
+</file>
+
+<file path=ppt/slides/slide3.xml><?xml version="1.0" encoding="utf-8"?>
+<p:sld xmlns:a="http://schemas.openxmlformats.org/drawingml/2006/main" xmlns:r="http://schemas.openxmlformats.org/officeDocument/2006/relationships" xmlns:p="http://schemas.openxmlformats.org/presentationml/2006/main">
+  <p:cSld>
+    <p:spTree>
+      <p:nvGrpSpPr>
+        <p:cNvPr id="1" name=""/>
+        <p:cNvGrpSpPr/>
+        <p:nvPr/>
+      </p:nvGrpSpPr>
+      <p:grpSpPr>
+        <a:xfrm>
+          <a:off x="0" y="0"/>
+          <a:ext cx="0" cy="0"/>
+          <a:chOff x="0" y="0"/>
+          <a:chExt cx="0" cy="0"/>
+        </a:xfrm>
+      </p:grpSpPr>
+    </p:spTree>
+    <p:extLst>
+      <p:ext uri="{BB962C8B-B14F-4D97-AF65-F5344CB8AC3E}">
+        <p14:creationId xmlns:p14="http://schemas.microsoft.com/office/powerpoint/2010/main" val="2362671571"/>
+      </p:ext>
+    </p:extLst>
+  </p:cSld>
+  <p:clrMapOvr>
+    <a:masterClrMapping/>
+  </p:clrMapOvr>
 </p:sld>
 </file>
 

--- a/Fig. 9.pptx
+++ b/Fig. 9.pptx
@@ -9690,7 +9690,7 @@
         </p:nvSpPr>
         <p:spPr>
           <a:xfrm>
-            <a:off x="6660232" y="6839845"/>
+            <a:off x="6633338" y="6839845"/>
             <a:ext cx="504056" cy="313908"/>
           </a:xfrm>
           <a:prstGeom prst="rect">
@@ -9736,7 +9736,7 @@
         </p:nvGrpSpPr>
         <p:grpSpPr>
           <a:xfrm>
-            <a:off x="-1836712" y="6977139"/>
+            <a:off x="-1769477" y="6977139"/>
             <a:ext cx="252000" cy="54000"/>
             <a:chOff x="57420" y="7410905"/>
             <a:chExt cx="252000" cy="54000"/>
@@ -9881,7 +9881,7 @@
         </p:nvCxnSpPr>
         <p:spPr>
           <a:xfrm rot="17880000">
-            <a:off x="2673789" y="6978816"/>
+            <a:off x="2577537" y="6978816"/>
             <a:ext cx="144016" cy="0"/>
           </a:xfrm>
           <a:prstGeom prst="line">
@@ -9912,7 +9912,7 @@
         </p:nvCxnSpPr>
         <p:spPr>
           <a:xfrm rot="1080000">
-            <a:off x="2816858" y="7037000"/>
+            <a:off x="2720606" y="7037000"/>
             <a:ext cx="144016" cy="0"/>
           </a:xfrm>
           <a:prstGeom prst="line">
@@ -17009,7 +17009,7 @@
         </p:nvSpPr>
         <p:spPr>
           <a:xfrm>
-            <a:off x="-1615995" y="6834862"/>
+            <a:off x="-1548760" y="6834862"/>
             <a:ext cx="787395" cy="338554"/>
           </a:xfrm>
           <a:prstGeom prst="rect">
@@ -17088,7 +17088,7 @@
         </p:nvSpPr>
         <p:spPr>
           <a:xfrm>
-            <a:off x="3022829" y="6834862"/>
+            <a:off x="2859342" y="6834862"/>
             <a:ext cx="3205355" cy="338554"/>
           </a:xfrm>
           <a:prstGeom prst="rect">
@@ -17455,6 +17455,13 @@
   <p:clrMapOvr>
     <a:masterClrMapping/>
   </p:clrMapOvr>
+  <p:timing>
+    <p:tnLst>
+      <p:par>
+        <p:cTn id="1" dur="indefinite" restart="never" nodeType="tmRoot"/>
+      </p:par>
+    </p:tnLst>
+  </p:timing>
 </p:sld>
 </file>
 
